--- a/LectureFiles/cshl/2014/RNASeq_Module4_Lecture.pptx
+++ b/LectureFiles/cshl/2014/RNASeq_Module4_Lecture.pptx
@@ -266,7 +266,7 @@
               <a:pPr>
                 <a:defRPr/>
               </a:pPr>
-              <a:t>11/16/14</a:t>
+              <a:t>11/18/14</a:t>
             </a:fld>
             <a:endParaRPr lang="en-US"/>
           </a:p>
@@ -473,7 +473,7 @@
               <a:pPr>
                 <a:defRPr/>
               </a:pPr>
-              <a:t>11/16/14</a:t>
+              <a:t>11/18/14</a:t>
             </a:fld>
             <a:endParaRPr lang="en-US"/>
           </a:p>
@@ -3376,7 +3376,7 @@
               <a:pPr>
                 <a:defRPr/>
               </a:pPr>
-              <a:t>11/16/14</a:t>
+              <a:t>11/18/14</a:t>
             </a:fld>
             <a:endParaRPr lang="en-US"/>
           </a:p>
@@ -4110,6 +4110,13 @@
   <p:clrMapOvr>
     <a:masterClrMapping/>
   </p:clrMapOvr>
+  <p:timing>
+    <p:tnLst>
+      <p:par>
+        <p:cTn xmlns:p14="http://schemas.microsoft.com/office/powerpoint/2010/main" id="1" dur="indefinite" restart="never" nodeType="tmRoot"/>
+      </p:par>
+    </p:tnLst>
+  </p:timing>
 </p:sld>
 </file>
 
@@ -5008,11 +5015,11 @@
               <a:t>Calculating fold changes, </a:t>
             </a:r>
             <a:r>
-              <a:rPr lang="en-US" dirty="0" err="1">
-                <a:latin typeface="Calibri" charset="0"/>
-                <a:ea typeface="ＭＳ Ｐゴシック" charset="0"/>
-              </a:rPr>
-              <a:t>etc</a:t>
+              <a:rPr lang="en-US" dirty="0" smtClean="0">
+                <a:latin typeface="Calibri" charset="0"/>
+                <a:ea typeface="ＭＳ Ｐゴシック" charset="0"/>
+              </a:rPr>
+              <a:t>etc.</a:t>
             </a:r>
             <a:endParaRPr lang="en-US" dirty="0">
               <a:latin typeface="Calibri" charset="0"/>
@@ -6116,11 +6123,11 @@
               <a:t>, ggplot2, </a:t>
             </a:r>
             <a:r>
-              <a:rPr lang="en-US" dirty="0" err="1" smtClean="0">
-                <a:latin typeface="Calibri" charset="0"/>
-                <a:ea typeface="ＭＳ Ｐゴシック" charset="0"/>
-              </a:rPr>
-              <a:t>etc</a:t>
+              <a:rPr lang="en-US" dirty="0" smtClean="0">
+                <a:latin typeface="Calibri" charset="0"/>
+                <a:ea typeface="ＭＳ Ｐゴシック" charset="0"/>
+              </a:rPr>
+              <a:t>etc.</a:t>
             </a:r>
             <a:endParaRPr lang="en-US" dirty="0" smtClean="0">
               <a:latin typeface="Calibri" charset="0"/>
@@ -6745,27 +6752,7 @@
                 <a:latin typeface="Calibri" charset="0"/>
                 <a:cs typeface="Segoe UI" charset="0"/>
               </a:rPr>
-              <a:t>Module </a:t>
-            </a:r>
-            <a:r>
-              <a:rPr lang="en-US" sz="2000" dirty="0" smtClean="0">
-                <a:solidFill>
-                  <a:schemeClr val="bg1"/>
-                </a:solidFill>
-                <a:latin typeface="Calibri" charset="0"/>
-                <a:cs typeface="Segoe UI" charset="0"/>
-              </a:rPr>
-              <a:t>4</a:t>
-            </a:r>
-            <a:r>
-              <a:rPr lang="en-US" sz="2000" dirty="0" smtClean="0">
-                <a:solidFill>
-                  <a:schemeClr val="bg1"/>
-                </a:solidFill>
-                <a:latin typeface="Calibri" charset="0"/>
-                <a:cs typeface="Segoe UI" charset="0"/>
-              </a:rPr>
-              <a:t/>
+              <a:t>Module 4</a:t>
             </a:r>
             <a:br>
               <a:rPr lang="en-US" sz="2000" dirty="0" smtClean="0">
@@ -10702,7 +10689,14 @@
                 <a:latin typeface="Calibri" charset="0"/>
                 <a:ea typeface="ＭＳ Ｐゴシック" charset="0"/>
               </a:rPr>
-              <a:t>FPKM/RPKM attempt to normalize for gene size and library depth</a:t>
+              <a:t>FPKM (or RPKM) </a:t>
+            </a:r>
+            <a:r>
+              <a:rPr lang="en-US" dirty="0" smtClean="0">
+                <a:latin typeface="Calibri" charset="0"/>
+                <a:ea typeface="ＭＳ Ｐゴシック" charset="0"/>
+              </a:rPr>
+              <a:t>attempt to normalize for gene size and library depth</a:t>
             </a:r>
           </a:p>
           <a:p>
@@ -10717,7 +10711,14 @@
                 <a:latin typeface="Calibri" charset="0"/>
                 <a:ea typeface="ＭＳ Ｐゴシック" charset="0"/>
               </a:rPr>
-              <a:t>RPKM/FPKM = (10</a:t>
+              <a:t>RPKM (or FPKM) </a:t>
+            </a:r>
+            <a:r>
+              <a:rPr lang="nl-NL" dirty="0" smtClean="0">
+                <a:latin typeface="Calibri" charset="0"/>
+                <a:ea typeface="ＭＳ Ｐゴシック" charset="0"/>
+              </a:rPr>
+              <a:t>= (10</a:t>
             </a:r>
             <a:r>
               <a:rPr lang="nl-NL" dirty="0">
